--- a/src/practice-2/WPF2.pptx
+++ b/src/practice-2/WPF2.pptx
@@ -6260,8 +6260,8 @@
         </p:nvSpPr>
         <p:spPr>
           <a:xfrm>
-            <a:off x="1394797" y="2921168"/>
-            <a:ext cx="9402510" cy="1938992"/>
+            <a:off x="2852853" y="2921168"/>
+            <a:ext cx="6486392" cy="1938992"/>
           </a:xfrm>
           <a:prstGeom prst="rect">
             <a:avLst/>
@@ -6284,7 +6284,7 @@
             <a:pPr algn="ctr"/>
             <a:r>
               <a:rPr lang="en-US" altLang="ko-KR" sz="6000" b="1" dirty="0" err="1"/>
-              <a:t>MergedResourceDictionaries</a:t>
+              <a:t>MergedDictionaries</a:t>
             </a:r>
             <a:endParaRPr lang="en-US" altLang="ko-KR" sz="6000" b="1" dirty="0"/>
           </a:p>
